--- a/游戏技术分析/仿空洞骑士/预计两个月内实现的内容.pptx
+++ b/游戏技术分析/仿空洞骑士/预计两个月内实现的内容.pptx
@@ -1,20 +1,23 @@
 
 <file path=ppt/presentation.xml><?xml version="1.0" encoding="utf-8"?>
-<p:presentation xmlns:a="http://schemas.openxmlformats.org/drawingml/2006/main" xmlns:r="http://schemas.openxmlformats.org/officeDocument/2006/relationships" xmlns:p="http://schemas.openxmlformats.org/presentationml/2006/main" saveSubsetFonts="1">
+<p:presentation xmlns:a="http://schemas.openxmlformats.org/drawingml/2006/main" xmlns:r="http://schemas.openxmlformats.org/officeDocument/2006/relationships" xmlns:p="http://schemas.openxmlformats.org/presentationml/2006/main">
   <p:sldMasterIdLst>
     <p:sldMasterId id="2147483648" r:id="rId1"/>
   </p:sldMasterIdLst>
   <p:sldIdLst>
-    <p:sldId id="256" r:id="rId2"/>
-    <p:sldId id="257" r:id="rId3"/>
-    <p:sldId id="259" r:id="rId4"/>
-    <p:sldId id="258" r:id="rId5"/>
-    <p:sldId id="260" r:id="rId6"/>
-    <p:sldId id="261" r:id="rId7"/>
-    <p:sldId id="262" r:id="rId8"/>
+    <p:sldId id="256" r:id="rId3"/>
+    <p:sldId id="257" r:id="rId4"/>
+    <p:sldId id="259" r:id="rId5"/>
+    <p:sldId id="258" r:id="rId6"/>
+    <p:sldId id="260" r:id="rId7"/>
+    <p:sldId id="261" r:id="rId8"/>
+    <p:sldId id="262" r:id="rId9"/>
   </p:sldIdLst>
   <p:sldSz cx="12192000" cy="6858000"/>
   <p:notesSz cx="6858000" cy="9144000"/>
+  <p:custDataLst>
+    <p:tags r:id="rId13"/>
+  </p:custDataLst>
   <p:defaultTextStyle>
     <a:defPPr>
       <a:defRPr lang="zh-CN"/>
@@ -169,7 +172,7 @@
             <a:spLocks noGrp="1"/>
           </p:cNvSpPr>
           <p:nvPr>
-            <p:ph type="subTitle" idx="1"/>
+            <p:ph type="subTitle" idx="1" hasCustomPrompt="1"/>
           </p:nvPr>
         </p:nvSpPr>
         <p:spPr>
@@ -244,7 +247,6 @@
           <a:p>
             <a:fld id="{E5117277-0F7D-4EBF-9D42-62C0E04FE678}" type="datetimeFigureOut">
               <a:rPr lang="zh-CN" altLang="en-US" smtClean="0"/>
-              <a:t>2022/9/13</a:t>
             </a:fld>
             <a:endParaRPr lang="zh-CN" altLang="en-US"/>
           </a:p>
@@ -286,18 +288,12 @@
           <a:p>
             <a:fld id="{09BD20C3-206E-45D8-97ED-E74F1063DBC2}" type="slidenum">
               <a:rPr lang="zh-CN" altLang="en-US" smtClean="0"/>
-              <a:t>‹#›</a:t>
             </a:fld>
             <a:endParaRPr lang="zh-CN" altLang="en-US"/>
           </a:p>
         </p:txBody>
       </p:sp>
     </p:spTree>
-    <p:extLst>
-      <p:ext uri="{BB962C8B-B14F-4D97-AF65-F5344CB8AC3E}">
-        <p14:creationId xmlns:p14="http://schemas.microsoft.com/office/powerpoint/2010/main" val="3683336596"/>
-      </p:ext>
-    </p:extLst>
   </p:cSld>
   <p:clrMapOvr>
     <a:masterClrMapping/>
@@ -352,7 +348,7 @@
             <a:spLocks noGrp="1"/>
           </p:cNvSpPr>
           <p:nvPr>
-            <p:ph type="body" orient="vert" idx="1"/>
+            <p:ph type="body" orient="vert" idx="1" hasCustomPrompt="1"/>
           </p:nvPr>
         </p:nvSpPr>
         <p:spPr/>
@@ -365,6 +361,7 @@
               <a:rPr lang="zh-CN" altLang="en-US" smtClean="0"/>
               <a:t>编辑母版文本样式</a:t>
             </a:r>
+            <a:endParaRPr lang="zh-CN" altLang="en-US" smtClean="0"/>
           </a:p>
           <a:p>
             <a:pPr lvl="1"/>
@@ -372,6 +369,7 @@
               <a:rPr lang="zh-CN" altLang="en-US" smtClean="0"/>
               <a:t>第二级</a:t>
             </a:r>
+            <a:endParaRPr lang="zh-CN" altLang="en-US" smtClean="0"/>
           </a:p>
           <a:p>
             <a:pPr lvl="2"/>
@@ -379,6 +377,7 @@
               <a:rPr lang="zh-CN" altLang="en-US" smtClean="0"/>
               <a:t>第三级</a:t>
             </a:r>
+            <a:endParaRPr lang="zh-CN" altLang="en-US" smtClean="0"/>
           </a:p>
           <a:p>
             <a:pPr lvl="3"/>
@@ -386,6 +385,7 @@
               <a:rPr lang="zh-CN" altLang="en-US" smtClean="0"/>
               <a:t>第四级</a:t>
             </a:r>
+            <a:endParaRPr lang="zh-CN" altLang="en-US" smtClean="0"/>
           </a:p>
           <a:p>
             <a:pPr lvl="4"/>
@@ -414,7 +414,6 @@
           <a:p>
             <a:fld id="{E5117277-0F7D-4EBF-9D42-62C0E04FE678}" type="datetimeFigureOut">
               <a:rPr lang="zh-CN" altLang="en-US" smtClean="0"/>
-              <a:t>2022/9/13</a:t>
             </a:fld>
             <a:endParaRPr lang="zh-CN" altLang="en-US"/>
           </a:p>
@@ -456,18 +455,12 @@
           <a:p>
             <a:fld id="{09BD20C3-206E-45D8-97ED-E74F1063DBC2}" type="slidenum">
               <a:rPr lang="zh-CN" altLang="en-US" smtClean="0"/>
-              <a:t>‹#›</a:t>
             </a:fld>
             <a:endParaRPr lang="zh-CN" altLang="en-US"/>
           </a:p>
         </p:txBody>
       </p:sp>
     </p:spTree>
-    <p:extLst>
-      <p:ext uri="{BB962C8B-B14F-4D97-AF65-F5344CB8AC3E}">
-        <p14:creationId xmlns:p14="http://schemas.microsoft.com/office/powerpoint/2010/main" val="361232331"/>
-      </p:ext>
-    </p:extLst>
   </p:cSld>
   <p:clrMapOvr>
     <a:masterClrMapping/>
@@ -527,7 +520,7 @@
             <a:spLocks noGrp="1"/>
           </p:cNvSpPr>
           <p:nvPr>
-            <p:ph type="body" orient="vert" idx="1"/>
+            <p:ph type="body" orient="vert" idx="1" hasCustomPrompt="1"/>
           </p:nvPr>
         </p:nvSpPr>
         <p:spPr>
@@ -545,6 +538,7 @@
               <a:rPr lang="zh-CN" altLang="en-US" smtClean="0"/>
               <a:t>编辑母版文本样式</a:t>
             </a:r>
+            <a:endParaRPr lang="zh-CN" altLang="en-US" smtClean="0"/>
           </a:p>
           <a:p>
             <a:pPr lvl="1"/>
@@ -552,6 +546,7 @@
               <a:rPr lang="zh-CN" altLang="en-US" smtClean="0"/>
               <a:t>第二级</a:t>
             </a:r>
+            <a:endParaRPr lang="zh-CN" altLang="en-US" smtClean="0"/>
           </a:p>
           <a:p>
             <a:pPr lvl="2"/>
@@ -559,6 +554,7 @@
               <a:rPr lang="zh-CN" altLang="en-US" smtClean="0"/>
               <a:t>第三级</a:t>
             </a:r>
+            <a:endParaRPr lang="zh-CN" altLang="en-US" smtClean="0"/>
           </a:p>
           <a:p>
             <a:pPr lvl="3"/>
@@ -566,6 +562,7 @@
               <a:rPr lang="zh-CN" altLang="en-US" smtClean="0"/>
               <a:t>第四级</a:t>
             </a:r>
+            <a:endParaRPr lang="zh-CN" altLang="en-US" smtClean="0"/>
           </a:p>
           <a:p>
             <a:pPr lvl="4"/>
@@ -594,7 +591,6 @@
           <a:p>
             <a:fld id="{E5117277-0F7D-4EBF-9D42-62C0E04FE678}" type="datetimeFigureOut">
               <a:rPr lang="zh-CN" altLang="en-US" smtClean="0"/>
-              <a:t>2022/9/13</a:t>
             </a:fld>
             <a:endParaRPr lang="zh-CN" altLang="en-US"/>
           </a:p>
@@ -636,18 +632,12 @@
           <a:p>
             <a:fld id="{09BD20C3-206E-45D8-97ED-E74F1063DBC2}" type="slidenum">
               <a:rPr lang="zh-CN" altLang="en-US" smtClean="0"/>
-              <a:t>‹#›</a:t>
             </a:fld>
             <a:endParaRPr lang="zh-CN" altLang="en-US"/>
           </a:p>
         </p:txBody>
       </p:sp>
     </p:spTree>
-    <p:extLst>
-      <p:ext uri="{BB962C8B-B14F-4D97-AF65-F5344CB8AC3E}">
-        <p14:creationId xmlns:p14="http://schemas.microsoft.com/office/powerpoint/2010/main" val="3934225151"/>
-      </p:ext>
-    </p:extLst>
   </p:cSld>
   <p:clrMapOvr>
     <a:masterClrMapping/>
@@ -702,7 +692,7 @@
             <a:spLocks noGrp="1"/>
           </p:cNvSpPr>
           <p:nvPr>
-            <p:ph idx="1"/>
+            <p:ph idx="1" hasCustomPrompt="1"/>
           </p:nvPr>
         </p:nvSpPr>
         <p:spPr/>
@@ -715,6 +705,7 @@
               <a:rPr lang="zh-CN" altLang="en-US" smtClean="0"/>
               <a:t>编辑母版文本样式</a:t>
             </a:r>
+            <a:endParaRPr lang="zh-CN" altLang="en-US" smtClean="0"/>
           </a:p>
           <a:p>
             <a:pPr lvl="1"/>
@@ -722,6 +713,7 @@
               <a:rPr lang="zh-CN" altLang="en-US" smtClean="0"/>
               <a:t>第二级</a:t>
             </a:r>
+            <a:endParaRPr lang="zh-CN" altLang="en-US" smtClean="0"/>
           </a:p>
           <a:p>
             <a:pPr lvl="2"/>
@@ -729,6 +721,7 @@
               <a:rPr lang="zh-CN" altLang="en-US" smtClean="0"/>
               <a:t>第三级</a:t>
             </a:r>
+            <a:endParaRPr lang="zh-CN" altLang="en-US" smtClean="0"/>
           </a:p>
           <a:p>
             <a:pPr lvl="3"/>
@@ -736,6 +729,7 @@
               <a:rPr lang="zh-CN" altLang="en-US" smtClean="0"/>
               <a:t>第四级</a:t>
             </a:r>
+            <a:endParaRPr lang="zh-CN" altLang="en-US" smtClean="0"/>
           </a:p>
           <a:p>
             <a:pPr lvl="4"/>
@@ -764,7 +758,6 @@
           <a:p>
             <a:fld id="{E5117277-0F7D-4EBF-9D42-62C0E04FE678}" type="datetimeFigureOut">
               <a:rPr lang="zh-CN" altLang="en-US" smtClean="0"/>
-              <a:t>2022/9/13</a:t>
             </a:fld>
             <a:endParaRPr lang="zh-CN" altLang="en-US"/>
           </a:p>
@@ -806,18 +799,12 @@
           <a:p>
             <a:fld id="{09BD20C3-206E-45D8-97ED-E74F1063DBC2}" type="slidenum">
               <a:rPr lang="zh-CN" altLang="en-US" smtClean="0"/>
-              <a:t>‹#›</a:t>
             </a:fld>
             <a:endParaRPr lang="zh-CN" altLang="en-US"/>
           </a:p>
         </p:txBody>
       </p:sp>
     </p:spTree>
-    <p:extLst>
-      <p:ext uri="{BB962C8B-B14F-4D97-AF65-F5344CB8AC3E}">
-        <p14:creationId xmlns:p14="http://schemas.microsoft.com/office/powerpoint/2010/main" val="933326038"/>
-      </p:ext>
-    </p:extLst>
   </p:cSld>
   <p:clrMapOvr>
     <a:masterClrMapping/>
@@ -881,7 +868,7 @@
             <a:spLocks noGrp="1"/>
           </p:cNvSpPr>
           <p:nvPr>
-            <p:ph type="body" idx="1"/>
+            <p:ph type="body" idx="1" hasCustomPrompt="1"/>
           </p:nvPr>
         </p:nvSpPr>
         <p:spPr>
@@ -990,6 +977,7 @@
               <a:rPr lang="zh-CN" altLang="en-US" smtClean="0"/>
               <a:t>编辑母版文本样式</a:t>
             </a:r>
+            <a:endParaRPr lang="zh-CN" altLang="en-US" smtClean="0"/>
           </a:p>
         </p:txBody>
       </p:sp>
@@ -1010,7 +998,6 @@
           <a:p>
             <a:fld id="{E5117277-0F7D-4EBF-9D42-62C0E04FE678}" type="datetimeFigureOut">
               <a:rPr lang="zh-CN" altLang="en-US" smtClean="0"/>
-              <a:t>2022/9/13</a:t>
             </a:fld>
             <a:endParaRPr lang="zh-CN" altLang="en-US"/>
           </a:p>
@@ -1052,18 +1039,12 @@
           <a:p>
             <a:fld id="{09BD20C3-206E-45D8-97ED-E74F1063DBC2}" type="slidenum">
               <a:rPr lang="zh-CN" altLang="en-US" smtClean="0"/>
-              <a:t>‹#›</a:t>
             </a:fld>
             <a:endParaRPr lang="zh-CN" altLang="en-US"/>
           </a:p>
         </p:txBody>
       </p:sp>
     </p:spTree>
-    <p:extLst>
-      <p:ext uri="{BB962C8B-B14F-4D97-AF65-F5344CB8AC3E}">
-        <p14:creationId xmlns:p14="http://schemas.microsoft.com/office/powerpoint/2010/main" val="43026536"/>
-      </p:ext>
-    </p:extLst>
   </p:cSld>
   <p:clrMapOvr>
     <a:masterClrMapping/>
@@ -1118,7 +1099,7 @@
             <a:spLocks noGrp="1"/>
           </p:cNvSpPr>
           <p:nvPr>
-            <p:ph sz="half" idx="1"/>
+            <p:ph sz="half" idx="1" hasCustomPrompt="1"/>
           </p:nvPr>
         </p:nvSpPr>
         <p:spPr>
@@ -1136,6 +1117,7 @@
               <a:rPr lang="zh-CN" altLang="en-US" smtClean="0"/>
               <a:t>编辑母版文本样式</a:t>
             </a:r>
+            <a:endParaRPr lang="zh-CN" altLang="en-US" smtClean="0"/>
           </a:p>
           <a:p>
             <a:pPr lvl="1"/>
@@ -1143,6 +1125,7 @@
               <a:rPr lang="zh-CN" altLang="en-US" smtClean="0"/>
               <a:t>第二级</a:t>
             </a:r>
+            <a:endParaRPr lang="zh-CN" altLang="en-US" smtClean="0"/>
           </a:p>
           <a:p>
             <a:pPr lvl="2"/>
@@ -1150,6 +1133,7 @@
               <a:rPr lang="zh-CN" altLang="en-US" smtClean="0"/>
               <a:t>第三级</a:t>
             </a:r>
+            <a:endParaRPr lang="zh-CN" altLang="en-US" smtClean="0"/>
           </a:p>
           <a:p>
             <a:pPr lvl="3"/>
@@ -1157,6 +1141,7 @@
               <a:rPr lang="zh-CN" altLang="en-US" smtClean="0"/>
               <a:t>第四级</a:t>
             </a:r>
+            <a:endParaRPr lang="zh-CN" altLang="en-US" smtClean="0"/>
           </a:p>
           <a:p>
             <a:pPr lvl="4"/>
@@ -1175,7 +1160,7 @@
             <a:spLocks noGrp="1"/>
           </p:cNvSpPr>
           <p:nvPr>
-            <p:ph sz="half" idx="2"/>
+            <p:ph sz="half" idx="2" hasCustomPrompt="1"/>
           </p:nvPr>
         </p:nvSpPr>
         <p:spPr>
@@ -1193,6 +1178,7 @@
               <a:rPr lang="zh-CN" altLang="en-US" smtClean="0"/>
               <a:t>编辑母版文本样式</a:t>
             </a:r>
+            <a:endParaRPr lang="zh-CN" altLang="en-US" smtClean="0"/>
           </a:p>
           <a:p>
             <a:pPr lvl="1"/>
@@ -1200,6 +1186,7 @@
               <a:rPr lang="zh-CN" altLang="en-US" smtClean="0"/>
               <a:t>第二级</a:t>
             </a:r>
+            <a:endParaRPr lang="zh-CN" altLang="en-US" smtClean="0"/>
           </a:p>
           <a:p>
             <a:pPr lvl="2"/>
@@ -1207,6 +1194,7 @@
               <a:rPr lang="zh-CN" altLang="en-US" smtClean="0"/>
               <a:t>第三级</a:t>
             </a:r>
+            <a:endParaRPr lang="zh-CN" altLang="en-US" smtClean="0"/>
           </a:p>
           <a:p>
             <a:pPr lvl="3"/>
@@ -1214,6 +1202,7 @@
               <a:rPr lang="zh-CN" altLang="en-US" smtClean="0"/>
               <a:t>第四级</a:t>
             </a:r>
+            <a:endParaRPr lang="zh-CN" altLang="en-US" smtClean="0"/>
           </a:p>
           <a:p>
             <a:pPr lvl="4"/>
@@ -1242,7 +1231,6 @@
           <a:p>
             <a:fld id="{E5117277-0F7D-4EBF-9D42-62C0E04FE678}" type="datetimeFigureOut">
               <a:rPr lang="zh-CN" altLang="en-US" smtClean="0"/>
-              <a:t>2022/9/13</a:t>
             </a:fld>
             <a:endParaRPr lang="zh-CN" altLang="en-US"/>
           </a:p>
@@ -1284,18 +1272,12 @@
           <a:p>
             <a:fld id="{09BD20C3-206E-45D8-97ED-E74F1063DBC2}" type="slidenum">
               <a:rPr lang="zh-CN" altLang="en-US" smtClean="0"/>
-              <a:t>‹#›</a:t>
             </a:fld>
             <a:endParaRPr lang="zh-CN" altLang="en-US"/>
           </a:p>
         </p:txBody>
       </p:sp>
     </p:spTree>
-    <p:extLst>
-      <p:ext uri="{BB962C8B-B14F-4D97-AF65-F5344CB8AC3E}">
-        <p14:creationId xmlns:p14="http://schemas.microsoft.com/office/powerpoint/2010/main" val="22352614"/>
-      </p:ext>
-    </p:extLst>
   </p:cSld>
   <p:clrMapOvr>
     <a:masterClrMapping/>
@@ -1355,7 +1337,7 @@
             <a:spLocks noGrp="1"/>
           </p:cNvSpPr>
           <p:nvPr>
-            <p:ph type="body" idx="1"/>
+            <p:ph type="body" idx="1" hasCustomPrompt="1"/>
           </p:nvPr>
         </p:nvSpPr>
         <p:spPr>
@@ -1410,6 +1392,7 @@
               <a:rPr lang="zh-CN" altLang="en-US" smtClean="0"/>
               <a:t>编辑母版文本样式</a:t>
             </a:r>
+            <a:endParaRPr lang="zh-CN" altLang="en-US" smtClean="0"/>
           </a:p>
         </p:txBody>
       </p:sp>
@@ -1420,7 +1403,7 @@
             <a:spLocks noGrp="1"/>
           </p:cNvSpPr>
           <p:nvPr>
-            <p:ph sz="half" idx="2"/>
+            <p:ph sz="half" idx="2" hasCustomPrompt="1"/>
           </p:nvPr>
         </p:nvSpPr>
         <p:spPr>
@@ -1438,6 +1421,7 @@
               <a:rPr lang="zh-CN" altLang="en-US" smtClean="0"/>
               <a:t>编辑母版文本样式</a:t>
             </a:r>
+            <a:endParaRPr lang="zh-CN" altLang="en-US" smtClean="0"/>
           </a:p>
           <a:p>
             <a:pPr lvl="1"/>
@@ -1445,6 +1429,7 @@
               <a:rPr lang="zh-CN" altLang="en-US" smtClean="0"/>
               <a:t>第二级</a:t>
             </a:r>
+            <a:endParaRPr lang="zh-CN" altLang="en-US" smtClean="0"/>
           </a:p>
           <a:p>
             <a:pPr lvl="2"/>
@@ -1452,6 +1437,7 @@
               <a:rPr lang="zh-CN" altLang="en-US" smtClean="0"/>
               <a:t>第三级</a:t>
             </a:r>
+            <a:endParaRPr lang="zh-CN" altLang="en-US" smtClean="0"/>
           </a:p>
           <a:p>
             <a:pPr lvl="3"/>
@@ -1459,6 +1445,7 @@
               <a:rPr lang="zh-CN" altLang="en-US" smtClean="0"/>
               <a:t>第四级</a:t>
             </a:r>
+            <a:endParaRPr lang="zh-CN" altLang="en-US" smtClean="0"/>
           </a:p>
           <a:p>
             <a:pPr lvl="4"/>
@@ -1477,7 +1464,7 @@
             <a:spLocks noGrp="1"/>
           </p:cNvSpPr>
           <p:nvPr>
-            <p:ph type="body" sz="quarter" idx="3"/>
+            <p:ph type="body" sz="quarter" idx="3" hasCustomPrompt="1"/>
           </p:nvPr>
         </p:nvSpPr>
         <p:spPr>
@@ -1532,6 +1519,7 @@
               <a:rPr lang="zh-CN" altLang="en-US" smtClean="0"/>
               <a:t>编辑母版文本样式</a:t>
             </a:r>
+            <a:endParaRPr lang="zh-CN" altLang="en-US" smtClean="0"/>
           </a:p>
         </p:txBody>
       </p:sp>
@@ -1542,7 +1530,7 @@
             <a:spLocks noGrp="1"/>
           </p:cNvSpPr>
           <p:nvPr>
-            <p:ph sz="quarter" idx="4"/>
+            <p:ph sz="quarter" idx="4" hasCustomPrompt="1"/>
           </p:nvPr>
         </p:nvSpPr>
         <p:spPr>
@@ -1560,6 +1548,7 @@
               <a:rPr lang="zh-CN" altLang="en-US" smtClean="0"/>
               <a:t>编辑母版文本样式</a:t>
             </a:r>
+            <a:endParaRPr lang="zh-CN" altLang="en-US" smtClean="0"/>
           </a:p>
           <a:p>
             <a:pPr lvl="1"/>
@@ -1567,6 +1556,7 @@
               <a:rPr lang="zh-CN" altLang="en-US" smtClean="0"/>
               <a:t>第二级</a:t>
             </a:r>
+            <a:endParaRPr lang="zh-CN" altLang="en-US" smtClean="0"/>
           </a:p>
           <a:p>
             <a:pPr lvl="2"/>
@@ -1574,6 +1564,7 @@
               <a:rPr lang="zh-CN" altLang="en-US" smtClean="0"/>
               <a:t>第三级</a:t>
             </a:r>
+            <a:endParaRPr lang="zh-CN" altLang="en-US" smtClean="0"/>
           </a:p>
           <a:p>
             <a:pPr lvl="3"/>
@@ -1581,6 +1572,7 @@
               <a:rPr lang="zh-CN" altLang="en-US" smtClean="0"/>
               <a:t>第四级</a:t>
             </a:r>
+            <a:endParaRPr lang="zh-CN" altLang="en-US" smtClean="0"/>
           </a:p>
           <a:p>
             <a:pPr lvl="4"/>
@@ -1609,7 +1601,6 @@
           <a:p>
             <a:fld id="{E5117277-0F7D-4EBF-9D42-62C0E04FE678}" type="datetimeFigureOut">
               <a:rPr lang="zh-CN" altLang="en-US" smtClean="0"/>
-              <a:t>2022/9/13</a:t>
             </a:fld>
             <a:endParaRPr lang="zh-CN" altLang="en-US"/>
           </a:p>
@@ -1651,18 +1642,12 @@
           <a:p>
             <a:fld id="{09BD20C3-206E-45D8-97ED-E74F1063DBC2}" type="slidenum">
               <a:rPr lang="zh-CN" altLang="en-US" smtClean="0"/>
-              <a:t>‹#›</a:t>
             </a:fld>
             <a:endParaRPr lang="zh-CN" altLang="en-US"/>
           </a:p>
         </p:txBody>
       </p:sp>
     </p:spTree>
-    <p:extLst>
-      <p:ext uri="{BB962C8B-B14F-4D97-AF65-F5344CB8AC3E}">
-        <p14:creationId xmlns:p14="http://schemas.microsoft.com/office/powerpoint/2010/main" val="3359302662"/>
-      </p:ext>
-    </p:extLst>
   </p:cSld>
   <p:clrMapOvr>
     <a:masterClrMapping/>
@@ -1727,7 +1712,6 @@
           <a:p>
             <a:fld id="{E5117277-0F7D-4EBF-9D42-62C0E04FE678}" type="datetimeFigureOut">
               <a:rPr lang="zh-CN" altLang="en-US" smtClean="0"/>
-              <a:t>2022/9/13</a:t>
             </a:fld>
             <a:endParaRPr lang="zh-CN" altLang="en-US"/>
           </a:p>
@@ -1769,18 +1753,12 @@
           <a:p>
             <a:fld id="{09BD20C3-206E-45D8-97ED-E74F1063DBC2}" type="slidenum">
               <a:rPr lang="zh-CN" altLang="en-US" smtClean="0"/>
-              <a:t>‹#›</a:t>
             </a:fld>
             <a:endParaRPr lang="zh-CN" altLang="en-US"/>
           </a:p>
         </p:txBody>
       </p:sp>
     </p:spTree>
-    <p:extLst>
-      <p:ext uri="{BB962C8B-B14F-4D97-AF65-F5344CB8AC3E}">
-        <p14:creationId xmlns:p14="http://schemas.microsoft.com/office/powerpoint/2010/main" val="1666080409"/>
-      </p:ext>
-    </p:extLst>
   </p:cSld>
   <p:clrMapOvr>
     <a:masterClrMapping/>
@@ -1822,7 +1800,6 @@
           <a:p>
             <a:fld id="{E5117277-0F7D-4EBF-9D42-62C0E04FE678}" type="datetimeFigureOut">
               <a:rPr lang="zh-CN" altLang="en-US" smtClean="0"/>
-              <a:t>2022/9/13</a:t>
             </a:fld>
             <a:endParaRPr lang="zh-CN" altLang="en-US"/>
           </a:p>
@@ -1864,18 +1841,12 @@
           <a:p>
             <a:fld id="{09BD20C3-206E-45D8-97ED-E74F1063DBC2}" type="slidenum">
               <a:rPr lang="zh-CN" altLang="en-US" smtClean="0"/>
-              <a:t>‹#›</a:t>
             </a:fld>
             <a:endParaRPr lang="zh-CN" altLang="en-US"/>
           </a:p>
         </p:txBody>
       </p:sp>
     </p:spTree>
-    <p:extLst>
-      <p:ext uri="{BB962C8B-B14F-4D97-AF65-F5344CB8AC3E}">
-        <p14:creationId xmlns:p14="http://schemas.microsoft.com/office/powerpoint/2010/main" val="807231806"/>
-      </p:ext>
-    </p:extLst>
   </p:cSld>
   <p:clrMapOvr>
     <a:masterClrMapping/>
@@ -1939,7 +1910,7 @@
             <a:spLocks noGrp="1"/>
           </p:cNvSpPr>
           <p:nvPr>
-            <p:ph idx="1"/>
+            <p:ph idx="1" hasCustomPrompt="1"/>
           </p:nvPr>
         </p:nvSpPr>
         <p:spPr>
@@ -1985,6 +1956,7 @@
               <a:rPr lang="zh-CN" altLang="en-US" smtClean="0"/>
               <a:t>编辑母版文本样式</a:t>
             </a:r>
+            <a:endParaRPr lang="zh-CN" altLang="en-US" smtClean="0"/>
           </a:p>
           <a:p>
             <a:pPr lvl="1"/>
@@ -1992,6 +1964,7 @@
               <a:rPr lang="zh-CN" altLang="en-US" smtClean="0"/>
               <a:t>第二级</a:t>
             </a:r>
+            <a:endParaRPr lang="zh-CN" altLang="en-US" smtClean="0"/>
           </a:p>
           <a:p>
             <a:pPr lvl="2"/>
@@ -1999,6 +1972,7 @@
               <a:rPr lang="zh-CN" altLang="en-US" smtClean="0"/>
               <a:t>第三级</a:t>
             </a:r>
+            <a:endParaRPr lang="zh-CN" altLang="en-US" smtClean="0"/>
           </a:p>
           <a:p>
             <a:pPr lvl="3"/>
@@ -2006,6 +1980,7 @@
               <a:rPr lang="zh-CN" altLang="en-US" smtClean="0"/>
               <a:t>第四级</a:t>
             </a:r>
+            <a:endParaRPr lang="zh-CN" altLang="en-US" smtClean="0"/>
           </a:p>
           <a:p>
             <a:pPr lvl="4"/>
@@ -2024,7 +1999,7 @@
             <a:spLocks noGrp="1"/>
           </p:cNvSpPr>
           <p:nvPr>
-            <p:ph type="body" sz="half" idx="2"/>
+            <p:ph type="body" sz="half" idx="2" hasCustomPrompt="1"/>
           </p:nvPr>
         </p:nvSpPr>
         <p:spPr>
@@ -2079,6 +2054,7 @@
               <a:rPr lang="zh-CN" altLang="en-US" smtClean="0"/>
               <a:t>编辑母版文本样式</a:t>
             </a:r>
+            <a:endParaRPr lang="zh-CN" altLang="en-US" smtClean="0"/>
           </a:p>
         </p:txBody>
       </p:sp>
@@ -2099,7 +2075,6 @@
           <a:p>
             <a:fld id="{E5117277-0F7D-4EBF-9D42-62C0E04FE678}" type="datetimeFigureOut">
               <a:rPr lang="zh-CN" altLang="en-US" smtClean="0"/>
-              <a:t>2022/9/13</a:t>
             </a:fld>
             <a:endParaRPr lang="zh-CN" altLang="en-US"/>
           </a:p>
@@ -2141,18 +2116,12 @@
           <a:p>
             <a:fld id="{09BD20C3-206E-45D8-97ED-E74F1063DBC2}" type="slidenum">
               <a:rPr lang="zh-CN" altLang="en-US" smtClean="0"/>
-              <a:t>‹#›</a:t>
             </a:fld>
             <a:endParaRPr lang="zh-CN" altLang="en-US"/>
           </a:p>
         </p:txBody>
       </p:sp>
     </p:spTree>
-    <p:extLst>
-      <p:ext uri="{BB962C8B-B14F-4D97-AF65-F5344CB8AC3E}">
-        <p14:creationId xmlns:p14="http://schemas.microsoft.com/office/powerpoint/2010/main" val="2139630424"/>
-      </p:ext>
-    </p:extLst>
   </p:cSld>
   <p:clrMapOvr>
     <a:masterClrMapping/>
@@ -2277,7 +2246,7 @@
             <a:spLocks noGrp="1"/>
           </p:cNvSpPr>
           <p:nvPr>
-            <p:ph type="body" sz="half" idx="2"/>
+            <p:ph type="body" sz="half" idx="2" hasCustomPrompt="1"/>
           </p:nvPr>
         </p:nvSpPr>
         <p:spPr>
@@ -2332,6 +2301,7 @@
               <a:rPr lang="zh-CN" altLang="en-US" smtClean="0"/>
               <a:t>编辑母版文本样式</a:t>
             </a:r>
+            <a:endParaRPr lang="zh-CN" altLang="en-US" smtClean="0"/>
           </a:p>
         </p:txBody>
       </p:sp>
@@ -2352,7 +2322,6 @@
           <a:p>
             <a:fld id="{E5117277-0F7D-4EBF-9D42-62C0E04FE678}" type="datetimeFigureOut">
               <a:rPr lang="zh-CN" altLang="en-US" smtClean="0"/>
-              <a:t>2022/9/13</a:t>
             </a:fld>
             <a:endParaRPr lang="zh-CN" altLang="en-US"/>
           </a:p>
@@ -2394,18 +2363,12 @@
           <a:p>
             <a:fld id="{09BD20C3-206E-45D8-97ED-E74F1063DBC2}" type="slidenum">
               <a:rPr lang="zh-CN" altLang="en-US" smtClean="0"/>
-              <a:t>‹#›</a:t>
             </a:fld>
             <a:endParaRPr lang="zh-CN" altLang="en-US"/>
           </a:p>
         </p:txBody>
       </p:sp>
     </p:spTree>
-    <p:extLst>
-      <p:ext uri="{BB962C8B-B14F-4D97-AF65-F5344CB8AC3E}">
-        <p14:creationId xmlns:p14="http://schemas.microsoft.com/office/powerpoint/2010/main" val="3189486329"/>
-      </p:ext>
-    </p:extLst>
   </p:cSld>
   <p:clrMapOvr>
     <a:masterClrMapping/>
@@ -2498,6 +2461,7 @@
               <a:rPr lang="zh-CN" altLang="en-US" smtClean="0"/>
               <a:t>编辑母版文本样式</a:t>
             </a:r>
+            <a:endParaRPr lang="zh-CN" altLang="en-US" smtClean="0"/>
           </a:p>
           <a:p>
             <a:pPr lvl="1"/>
@@ -2505,6 +2469,7 @@
               <a:rPr lang="zh-CN" altLang="en-US" smtClean="0"/>
               <a:t>第二级</a:t>
             </a:r>
+            <a:endParaRPr lang="zh-CN" altLang="en-US" smtClean="0"/>
           </a:p>
           <a:p>
             <a:pPr lvl="2"/>
@@ -2512,6 +2477,7 @@
               <a:rPr lang="zh-CN" altLang="en-US" smtClean="0"/>
               <a:t>第三级</a:t>
             </a:r>
+            <a:endParaRPr lang="zh-CN" altLang="en-US" smtClean="0"/>
           </a:p>
           <a:p>
             <a:pPr lvl="3"/>
@@ -2519,6 +2485,7 @@
               <a:rPr lang="zh-CN" altLang="en-US" smtClean="0"/>
               <a:t>第四级</a:t>
             </a:r>
+            <a:endParaRPr lang="zh-CN" altLang="en-US" smtClean="0"/>
           </a:p>
           <a:p>
             <a:pPr lvl="4"/>
@@ -2565,7 +2532,6 @@
           <a:p>
             <a:fld id="{E5117277-0F7D-4EBF-9D42-62C0E04FE678}" type="datetimeFigureOut">
               <a:rPr lang="zh-CN" altLang="en-US" smtClean="0"/>
-              <a:t>2022/9/13</a:t>
             </a:fld>
             <a:endParaRPr lang="zh-CN" altLang="en-US"/>
           </a:p>
@@ -2643,18 +2609,12 @@
           <a:p>
             <a:fld id="{09BD20C3-206E-45D8-97ED-E74F1063DBC2}" type="slidenum">
               <a:rPr lang="zh-CN" altLang="en-US" smtClean="0"/>
-              <a:t>‹#›</a:t>
             </a:fld>
             <a:endParaRPr lang="zh-CN" altLang="en-US"/>
           </a:p>
         </p:txBody>
       </p:sp>
     </p:spTree>
-    <p:extLst>
-      <p:ext uri="{BB962C8B-B14F-4D97-AF65-F5344CB8AC3E}">
-        <p14:creationId xmlns:p14="http://schemas.microsoft.com/office/powerpoint/2010/main" val="1715052338"/>
-      </p:ext>
-    </p:extLst>
   </p:cSld>
   <p:clrMap bg1="lt1" tx1="dk1" bg2="lt2" tx2="dk2" accent1="accent1" accent2="accent2" accent3="accent3" accent4="accent4" accent5="accent5" accent6="accent6" hlink="hlink" folHlink="folHlink"/>
   <p:sldLayoutIdLst>
@@ -3029,11 +2989,6 @@
         </p:txBody>
       </p:sp>
     </p:spTree>
-    <p:extLst>
-      <p:ext uri="{BB962C8B-B14F-4D97-AF65-F5344CB8AC3E}">
-        <p14:creationId xmlns:p14="http://schemas.microsoft.com/office/powerpoint/2010/main" val="3972385971"/>
-      </p:ext>
-    </p:extLst>
   </p:cSld>
   <p:clrMapOvr>
     <a:masterClrMapping/>
@@ -3149,15 +3104,15 @@
           <p:nvPr/>
         </p:nvPicPr>
         <p:blipFill>
-          <a:blip r:embed="rId2"/>
+          <a:blip r:embed="rId1"/>
           <a:stretch>
             <a:fillRect/>
           </a:stretch>
         </p:blipFill>
         <p:spPr>
           <a:xfrm>
-            <a:off x="6761965" y="3703729"/>
-            <a:ext cx="5140475" cy="2723198"/>
+            <a:off x="638175" y="459105"/>
+            <a:ext cx="11264265" cy="5968365"/>
           </a:xfrm>
           <a:prstGeom prst="rect">
             <a:avLst/>
@@ -3165,11 +3120,6 @@
         </p:spPr>
       </p:pic>
     </p:spTree>
-    <p:extLst>
-      <p:ext uri="{BB962C8B-B14F-4D97-AF65-F5344CB8AC3E}">
-        <p14:creationId xmlns:p14="http://schemas.microsoft.com/office/powerpoint/2010/main" val="882809406"/>
-      </p:ext>
-    </p:extLst>
   </p:cSld>
   <p:clrMapOvr>
     <a:masterClrMapping/>
@@ -3265,7 +3215,7 @@
             </a:r>
             <a:r>
               <a:rPr lang="en-US" altLang="zh-CN" dirty="0" smtClean="0">
-                <a:hlinkClick r:id="rId2"/>
+                <a:hlinkClick r:id="rId1"/>
               </a:rPr>
               <a:t>https://www.spriters-resource.com/search/?q=Hollow+Knight&amp;c=-1&amp;o%5B%5D=s&amp;o%5B%5D=ig&amp;o%5B%5D=g</a:t>
             </a:r>
@@ -3300,11 +3250,6 @@
         </p:txBody>
       </p:sp>
     </p:spTree>
-    <p:extLst>
-      <p:ext uri="{BB962C8B-B14F-4D97-AF65-F5344CB8AC3E}">
-        <p14:creationId xmlns:p14="http://schemas.microsoft.com/office/powerpoint/2010/main" val="135258818"/>
-      </p:ext>
-    </p:extLst>
   </p:cSld>
   <p:clrMapOvr>
     <a:masterClrMapping/>
@@ -3431,11 +3376,6 @@
         </p:txBody>
       </p:sp>
     </p:spTree>
-    <p:extLst>
-      <p:ext uri="{BB962C8B-B14F-4D97-AF65-F5344CB8AC3E}">
-        <p14:creationId xmlns:p14="http://schemas.microsoft.com/office/powerpoint/2010/main" val="468073157"/>
-      </p:ext>
-    </p:extLst>
   </p:cSld>
   <p:clrMapOvr>
     <a:masterClrMapping/>
@@ -3548,11 +3488,6 @@
         </p:txBody>
       </p:sp>
     </p:spTree>
-    <p:extLst>
-      <p:ext uri="{BB962C8B-B14F-4D97-AF65-F5344CB8AC3E}">
-        <p14:creationId xmlns:p14="http://schemas.microsoft.com/office/powerpoint/2010/main" val="314653513"/>
-      </p:ext>
-    </p:extLst>
   </p:cSld>
   <p:clrMapOvr>
     <a:masterClrMapping/>
@@ -3628,11 +3563,6 @@
         </p:txBody>
       </p:sp>
     </p:spTree>
-    <p:extLst>
-      <p:ext uri="{BB962C8B-B14F-4D97-AF65-F5344CB8AC3E}">
-        <p14:creationId xmlns:p14="http://schemas.microsoft.com/office/powerpoint/2010/main" val="3124541899"/>
-      </p:ext>
-    </p:extLst>
   </p:cSld>
   <p:clrMapOvr>
     <a:masterClrMapping/>
@@ -3722,16 +3652,17 @@
         </p:txBody>
       </p:sp>
     </p:spTree>
-    <p:extLst>
-      <p:ext uri="{BB962C8B-B14F-4D97-AF65-F5344CB8AC3E}">
-        <p14:creationId xmlns:p14="http://schemas.microsoft.com/office/powerpoint/2010/main" val="1354501317"/>
-      </p:ext>
-    </p:extLst>
   </p:cSld>
   <p:clrMapOvr>
     <a:masterClrMapping/>
   </p:clrMapOvr>
 </p:sld>
+</file>
+
+<file path=ppt/tags/tag1.xml><?xml version="1.0" encoding="utf-8"?>
+<p:tagLst xmlns:p="http://schemas.openxmlformats.org/presentationml/2006/main">
+  <p:tag name="COMMONDATA" val="eyJoZGlkIjoiMzFiNDQ3Njk0MWM0ZjgwMmY3ZDY1MjMxYTk4MjI3MjkifQ=="/>
+</p:tagLst>
 </file>
 
 <file path=ppt/theme/theme1.xml><?xml version="1.0" encoding="utf-8"?>
@@ -3777,7 +3708,7 @@
     </a:clrScheme>
     <a:fontScheme name="Office">
       <a:majorFont>
-        <a:latin typeface="等线 Light" panose="020F0302020204030204"/>
+        <a:latin typeface="等线 Light"/>
         <a:ea typeface=""/>
         <a:cs typeface=""/>
         <a:font script="Jpan" typeface="游ゴシック Light"/>
@@ -3812,7 +3743,7 @@
         <a:font script="Geor" typeface="Sylfaen"/>
       </a:majorFont>
       <a:minorFont>
-        <a:latin typeface="等线" panose="020F0502020204030204"/>
+        <a:latin typeface="等线"/>
         <a:ea typeface=""/>
         <a:cs typeface=""/>
         <a:font script="Jpan" typeface="游ゴシック"/>
@@ -3985,8 +3916,6 @@
       </a:bgFillStyleLst>
     </a:fmtScheme>
   </a:themeElements>
-  <a:objectDefaults/>
-  <a:extraClrSchemeLst/>
   <a:extLst>
     <a:ext uri="{05A4C25C-085E-4340-85A3-A5531E510DB2}">
       <thm15:themeFamily xmlns:thm15="http://schemas.microsoft.com/office/thememl/2012/main" name="Office Theme" id="{62F939B6-93AF-4DB8-9C6B-D6C7DFDC589F}" vid="{4A3C46E8-61CC-4603-A589-7422A47A8E4A}"/>
